--- a/Tesla Projekt/Grafiken.pptx
+++ b/Tesla Projekt/Grafiken.pptx
@@ -10,6 +10,8 @@
     <p:sldId id="258" r:id="rId4"/>
     <p:sldId id="259" r:id="rId5"/>
     <p:sldId id="260" r:id="rId6"/>
+    <p:sldId id="261" r:id="rId7"/>
+    <p:sldId id="262" r:id="rId8"/>
   </p:sldIdLst>
   <p:sldSz cx="12192000" cy="6858000"/>
   <p:notesSz cx="6858000" cy="9144000"/>
@@ -263,7 +265,7 @@
           <a:p>
             <a:fld id="{E991126B-22D3-4F07-81DE-986259DF7492}" type="datetimeFigureOut">
               <a:rPr lang="de-DE" smtClean="0"/>
-              <a:t>13.12.2019</a:t>
+              <a:t>14.12.2019</a:t>
             </a:fld>
             <a:endParaRPr lang="de-DE"/>
           </a:p>
@@ -461,7 +463,7 @@
           <a:p>
             <a:fld id="{E991126B-22D3-4F07-81DE-986259DF7492}" type="datetimeFigureOut">
               <a:rPr lang="de-DE" smtClean="0"/>
-              <a:t>13.12.2019</a:t>
+              <a:t>14.12.2019</a:t>
             </a:fld>
             <a:endParaRPr lang="de-DE"/>
           </a:p>
@@ -669,7 +671,7 @@
           <a:p>
             <a:fld id="{E991126B-22D3-4F07-81DE-986259DF7492}" type="datetimeFigureOut">
               <a:rPr lang="de-DE" smtClean="0"/>
-              <a:t>13.12.2019</a:t>
+              <a:t>14.12.2019</a:t>
             </a:fld>
             <a:endParaRPr lang="de-DE"/>
           </a:p>
@@ -867,7 +869,7 @@
           <a:p>
             <a:fld id="{E991126B-22D3-4F07-81DE-986259DF7492}" type="datetimeFigureOut">
               <a:rPr lang="de-DE" smtClean="0"/>
-              <a:t>13.12.2019</a:t>
+              <a:t>14.12.2019</a:t>
             </a:fld>
             <a:endParaRPr lang="de-DE"/>
           </a:p>
@@ -1142,7 +1144,7 @@
           <a:p>
             <a:fld id="{E991126B-22D3-4F07-81DE-986259DF7492}" type="datetimeFigureOut">
               <a:rPr lang="de-DE" smtClean="0"/>
-              <a:t>13.12.2019</a:t>
+              <a:t>14.12.2019</a:t>
             </a:fld>
             <a:endParaRPr lang="de-DE"/>
           </a:p>
@@ -1407,7 +1409,7 @@
           <a:p>
             <a:fld id="{E991126B-22D3-4F07-81DE-986259DF7492}" type="datetimeFigureOut">
               <a:rPr lang="de-DE" smtClean="0"/>
-              <a:t>13.12.2019</a:t>
+              <a:t>14.12.2019</a:t>
             </a:fld>
             <a:endParaRPr lang="de-DE"/>
           </a:p>
@@ -1819,7 +1821,7 @@
           <a:p>
             <a:fld id="{E991126B-22D3-4F07-81DE-986259DF7492}" type="datetimeFigureOut">
               <a:rPr lang="de-DE" smtClean="0"/>
-              <a:t>13.12.2019</a:t>
+              <a:t>14.12.2019</a:t>
             </a:fld>
             <a:endParaRPr lang="de-DE"/>
           </a:p>
@@ -1960,7 +1962,7 @@
           <a:p>
             <a:fld id="{E991126B-22D3-4F07-81DE-986259DF7492}" type="datetimeFigureOut">
               <a:rPr lang="de-DE" smtClean="0"/>
-              <a:t>13.12.2019</a:t>
+              <a:t>14.12.2019</a:t>
             </a:fld>
             <a:endParaRPr lang="de-DE"/>
           </a:p>
@@ -2073,7 +2075,7 @@
           <a:p>
             <a:fld id="{E991126B-22D3-4F07-81DE-986259DF7492}" type="datetimeFigureOut">
               <a:rPr lang="de-DE" smtClean="0"/>
-              <a:t>13.12.2019</a:t>
+              <a:t>14.12.2019</a:t>
             </a:fld>
             <a:endParaRPr lang="de-DE"/>
           </a:p>
@@ -2384,7 +2386,7 @@
           <a:p>
             <a:fld id="{E991126B-22D3-4F07-81DE-986259DF7492}" type="datetimeFigureOut">
               <a:rPr lang="de-DE" smtClean="0"/>
-              <a:t>13.12.2019</a:t>
+              <a:t>14.12.2019</a:t>
             </a:fld>
             <a:endParaRPr lang="de-DE"/>
           </a:p>
@@ -2672,7 +2674,7 @@
           <a:p>
             <a:fld id="{E991126B-22D3-4F07-81DE-986259DF7492}" type="datetimeFigureOut">
               <a:rPr lang="de-DE" smtClean="0"/>
-              <a:t>13.12.2019</a:t>
+              <a:t>14.12.2019</a:t>
             </a:fld>
             <a:endParaRPr lang="de-DE"/>
           </a:p>
@@ -2913,7 +2915,7 @@
           <a:p>
             <a:fld id="{E991126B-22D3-4F07-81DE-986259DF7492}" type="datetimeFigureOut">
               <a:rPr lang="de-DE" smtClean="0"/>
-              <a:t>13.12.2019</a:t>
+              <a:t>14.12.2019</a:t>
             </a:fld>
             <a:endParaRPr lang="de-DE"/>
           </a:p>
@@ -4365,6 +4367,311 @@
 </p:sld>
 </file>
 
+<file path=ppt/slides/slide6.xml><?xml version="1.0" encoding="utf-8"?>
+<p:sld xmlns:a="http://schemas.openxmlformats.org/drawingml/2006/main" xmlns:r="http://schemas.openxmlformats.org/officeDocument/2006/relationships" xmlns:p="http://schemas.openxmlformats.org/presentationml/2006/main">
+  <p:cSld>
+    <p:spTree>
+      <p:nvGrpSpPr>
+        <p:cNvPr id="1" name=""/>
+        <p:cNvGrpSpPr/>
+        <p:nvPr/>
+      </p:nvGrpSpPr>
+      <p:grpSpPr>
+        <a:xfrm>
+          <a:off x="0" y="0"/>
+          <a:ext cx="0" cy="0"/>
+          <a:chOff x="0" y="0"/>
+          <a:chExt cx="0" cy="0"/>
+        </a:xfrm>
+      </p:grpSpPr>
+      <p:sp>
+        <p:nvSpPr>
+          <p:cNvPr id="2" name="Titel 1">
+            <a:extLst>
+              <a:ext uri="{FF2B5EF4-FFF2-40B4-BE49-F238E27FC236}">
+                <a16:creationId xmlns:a16="http://schemas.microsoft.com/office/drawing/2014/main" id="{BC6314ED-44C3-4C46-87BE-E30F110334C9}"/>
+              </a:ext>
+            </a:extLst>
+          </p:cNvPr>
+          <p:cNvSpPr>
+            <a:spLocks noGrp="1"/>
+          </p:cNvSpPr>
+          <p:nvPr>
+            <p:ph type="title"/>
+          </p:nvPr>
+        </p:nvSpPr>
+        <p:spPr/>
+        <p:txBody>
+          <a:bodyPr/>
+          <a:lstStyle/>
+          <a:p>
+            <a:endParaRPr lang="de-DE"/>
+          </a:p>
+        </p:txBody>
+      </p:sp>
+      <p:sp>
+        <p:nvSpPr>
+          <p:cNvPr id="3" name="Inhaltsplatzhalter 2">
+            <a:extLst>
+              <a:ext uri="{FF2B5EF4-FFF2-40B4-BE49-F238E27FC236}">
+                <a16:creationId xmlns:a16="http://schemas.microsoft.com/office/drawing/2014/main" id="{91B148AA-3C88-4FBD-9FDA-697F46E2B93F}"/>
+              </a:ext>
+            </a:extLst>
+          </p:cNvPr>
+          <p:cNvSpPr>
+            <a:spLocks noGrp="1"/>
+          </p:cNvSpPr>
+          <p:nvPr>
+            <p:ph idx="1"/>
+          </p:nvPr>
+        </p:nvSpPr>
+        <p:spPr/>
+        <p:txBody>
+          <a:bodyPr/>
+          <a:lstStyle/>
+          <a:p>
+            <a:endParaRPr lang="de-DE"/>
+          </a:p>
+        </p:txBody>
+      </p:sp>
+      <p:pic>
+        <p:nvPicPr>
+          <p:cNvPr id="4" name="Grafik 3">
+            <a:extLst>
+              <a:ext uri="{FF2B5EF4-FFF2-40B4-BE49-F238E27FC236}">
+                <a16:creationId xmlns:a16="http://schemas.microsoft.com/office/drawing/2014/main" id="{A2148BF6-B2D2-4BF6-BC46-6B99F8363726}"/>
+              </a:ext>
+            </a:extLst>
+          </p:cNvPr>
+          <p:cNvPicPr>
+            <a:picLocks noChangeAspect="1"/>
+          </p:cNvPicPr>
+          <p:nvPr/>
+        </p:nvPicPr>
+        <p:blipFill>
+          <a:blip r:embed="rId2"/>
+          <a:stretch>
+            <a:fillRect/>
+          </a:stretch>
+        </p:blipFill>
+        <p:spPr>
+          <a:xfrm>
+            <a:off x="0" y="1172"/>
+            <a:ext cx="12192000" cy="6855655"/>
+          </a:xfrm>
+          <a:prstGeom prst="rect">
+            <a:avLst/>
+          </a:prstGeom>
+        </p:spPr>
+      </p:pic>
+    </p:spTree>
+    <p:extLst>
+      <p:ext uri="{BB962C8B-B14F-4D97-AF65-F5344CB8AC3E}">
+        <p14:creationId xmlns:p14="http://schemas.microsoft.com/office/powerpoint/2010/main" val="1760016714"/>
+      </p:ext>
+    </p:extLst>
+  </p:cSld>
+  <p:clrMapOvr>
+    <a:masterClrMapping/>
+  </p:clrMapOvr>
+</p:sld>
+</file>
+
+<file path=ppt/slides/slide7.xml><?xml version="1.0" encoding="utf-8"?>
+<p:sld xmlns:a="http://schemas.openxmlformats.org/drawingml/2006/main" xmlns:r="http://schemas.openxmlformats.org/officeDocument/2006/relationships" xmlns:p="http://schemas.openxmlformats.org/presentationml/2006/main">
+  <p:cSld>
+    <p:spTree>
+      <p:nvGrpSpPr>
+        <p:cNvPr id="1" name=""/>
+        <p:cNvGrpSpPr/>
+        <p:nvPr/>
+      </p:nvGrpSpPr>
+      <p:grpSpPr>
+        <a:xfrm>
+          <a:off x="0" y="0"/>
+          <a:ext cx="0" cy="0"/>
+          <a:chOff x="0" y="0"/>
+          <a:chExt cx="0" cy="0"/>
+        </a:xfrm>
+      </p:grpSpPr>
+      <p:sp>
+        <p:nvSpPr>
+          <p:cNvPr id="4" name="Rechteck 3">
+            <a:extLst>
+              <a:ext uri="{FF2B5EF4-FFF2-40B4-BE49-F238E27FC236}">
+                <a16:creationId xmlns:a16="http://schemas.microsoft.com/office/drawing/2014/main" id="{0FBFD155-A50F-4CB0-BAF5-8F610ED912B9}"/>
+              </a:ext>
+            </a:extLst>
+          </p:cNvPr>
+          <p:cNvSpPr/>
+          <p:nvPr/>
+        </p:nvSpPr>
+        <p:spPr>
+          <a:xfrm>
+            <a:off x="1119673" y="1362269"/>
+            <a:ext cx="9116009" cy="4208107"/>
+          </a:xfrm>
+          <a:prstGeom prst="rect">
+            <a:avLst/>
+          </a:prstGeom>
+        </p:spPr>
+        <p:style>
+          <a:lnRef idx="2">
+            <a:schemeClr val="accent1">
+              <a:shade val="50000"/>
+            </a:schemeClr>
+          </a:lnRef>
+          <a:fillRef idx="1">
+            <a:schemeClr val="accent1"/>
+          </a:fillRef>
+          <a:effectRef idx="0">
+            <a:schemeClr val="accent1"/>
+          </a:effectRef>
+          <a:fontRef idx="minor">
+            <a:schemeClr val="lt1"/>
+          </a:fontRef>
+        </p:style>
+        <p:txBody>
+          <a:bodyPr rtlCol="0" anchor="ctr"/>
+          <a:lstStyle/>
+          <a:p>
+            <a:pPr algn="ctr"/>
+            <a:endParaRPr lang="de-DE"/>
+          </a:p>
+        </p:txBody>
+      </p:sp>
+      <p:sp>
+        <p:nvSpPr>
+          <p:cNvPr id="2" name="Titel 1">
+            <a:extLst>
+              <a:ext uri="{FF2B5EF4-FFF2-40B4-BE49-F238E27FC236}">
+                <a16:creationId xmlns:a16="http://schemas.microsoft.com/office/drawing/2014/main" id="{6F381833-18C2-4AF7-A5D0-50E8E10BE349}"/>
+              </a:ext>
+            </a:extLst>
+          </p:cNvPr>
+          <p:cNvSpPr>
+            <a:spLocks noGrp="1"/>
+          </p:cNvSpPr>
+          <p:nvPr>
+            <p:ph type="title"/>
+          </p:nvPr>
+        </p:nvSpPr>
+        <p:spPr/>
+        <p:txBody>
+          <a:bodyPr/>
+          <a:lstStyle/>
+          <a:p>
+            <a:endParaRPr lang="de-DE"/>
+          </a:p>
+        </p:txBody>
+      </p:sp>
+      <p:pic>
+        <p:nvPicPr>
+          <p:cNvPr id="1026" name="Picture 2" descr="Bildergebnis für tesla">
+            <a:extLst>
+              <a:ext uri="{FF2B5EF4-FFF2-40B4-BE49-F238E27FC236}">
+                <a16:creationId xmlns:a16="http://schemas.microsoft.com/office/drawing/2014/main" id="{1703951E-9C6A-43E7-848E-E7F9F9EEE319}"/>
+              </a:ext>
+            </a:extLst>
+          </p:cNvPr>
+          <p:cNvPicPr>
+            <a:picLocks noChangeAspect="1" noChangeArrowheads="1"/>
+          </p:cNvPicPr>
+          <p:nvPr/>
+        </p:nvPicPr>
+        <p:blipFill>
+          <a:blip r:embed="rId2">
+            <a:extLst>
+              <a:ext uri="{28A0092B-C50C-407E-A947-70E740481C1C}">
+                <a14:useLocalDpi xmlns:a14="http://schemas.microsoft.com/office/drawing/2010/main" val="0"/>
+              </a:ext>
+            </a:extLst>
+          </a:blip>
+          <a:srcRect/>
+          <a:stretch>
+            <a:fillRect/>
+          </a:stretch>
+        </p:blipFill>
+        <p:spPr bwMode="auto">
+          <a:xfrm>
+            <a:off x="3238500" y="1858930"/>
+            <a:ext cx="5715000" cy="2990850"/>
+          </a:xfrm>
+          <a:prstGeom prst="rect">
+            <a:avLst/>
+          </a:prstGeom>
+          <a:noFill/>
+          <a:extLst>
+            <a:ext uri="{909E8E84-426E-40DD-AFC4-6F175D3DCCD1}">
+              <a14:hiddenFill xmlns:a14="http://schemas.microsoft.com/office/drawing/2010/main">
+                <a:solidFill>
+                  <a:srgbClr val="FFFFFF"/>
+                </a:solidFill>
+              </a14:hiddenFill>
+            </a:ext>
+          </a:extLst>
+        </p:spPr>
+      </p:pic>
+      <p:pic>
+        <p:nvPicPr>
+          <p:cNvPr id="1028" name="Picture 4" descr="Bildergebnis für tesla">
+            <a:extLst>
+              <a:ext uri="{FF2B5EF4-FFF2-40B4-BE49-F238E27FC236}">
+                <a16:creationId xmlns:a16="http://schemas.microsoft.com/office/drawing/2014/main" id="{49349B02-1854-452F-B98C-D3BB1BC49C05}"/>
+              </a:ext>
+            </a:extLst>
+          </p:cNvPr>
+          <p:cNvPicPr>
+            <a:picLocks noChangeAspect="1" noChangeArrowheads="1"/>
+          </p:cNvPicPr>
+          <p:nvPr/>
+        </p:nvPicPr>
+        <p:blipFill>
+          <a:blip r:embed="rId3">
+            <a:extLst>
+              <a:ext uri="{28A0092B-C50C-407E-A947-70E740481C1C}">
+                <a14:useLocalDpi xmlns:a14="http://schemas.microsoft.com/office/drawing/2010/main" val="0"/>
+              </a:ext>
+            </a:extLst>
+          </a:blip>
+          <a:srcRect/>
+          <a:stretch>
+            <a:fillRect/>
+          </a:stretch>
+        </p:blipFill>
+        <p:spPr bwMode="auto">
+          <a:xfrm>
+            <a:off x="1966913" y="1100138"/>
+            <a:ext cx="8258175" cy="4657725"/>
+          </a:xfrm>
+          <a:prstGeom prst="rect">
+            <a:avLst/>
+          </a:prstGeom>
+          <a:noFill/>
+          <a:extLst>
+            <a:ext uri="{909E8E84-426E-40DD-AFC4-6F175D3DCCD1}">
+              <a14:hiddenFill xmlns:a14="http://schemas.microsoft.com/office/drawing/2010/main">
+                <a:solidFill>
+                  <a:srgbClr val="FFFFFF"/>
+                </a:solidFill>
+              </a14:hiddenFill>
+            </a:ext>
+          </a:extLst>
+        </p:spPr>
+      </p:pic>
+    </p:spTree>
+    <p:extLst>
+      <p:ext uri="{BB962C8B-B14F-4D97-AF65-F5344CB8AC3E}">
+        <p14:creationId xmlns:p14="http://schemas.microsoft.com/office/powerpoint/2010/main" val="474896225"/>
+      </p:ext>
+    </p:extLst>
+  </p:cSld>
+  <p:clrMapOvr>
+    <a:masterClrMapping/>
+  </p:clrMapOvr>
+</p:sld>
+</file>
+
 <file path=ppt/theme/theme1.xml><?xml version="1.0" encoding="utf-8"?>
 <a:theme xmlns:a="http://schemas.openxmlformats.org/drawingml/2006/main" name="Office">
   <a:themeElements>

--- a/Tesla Projekt/Grafiken.pptx
+++ b/Tesla Projekt/Grafiken.pptx
@@ -265,7 +265,7 @@
           <a:p>
             <a:fld id="{E991126B-22D3-4F07-81DE-986259DF7492}" type="datetimeFigureOut">
               <a:rPr lang="de-DE" smtClean="0"/>
-              <a:t>14.12.2019</a:t>
+              <a:t>15.12.2019</a:t>
             </a:fld>
             <a:endParaRPr lang="de-DE"/>
           </a:p>
@@ -463,7 +463,7 @@
           <a:p>
             <a:fld id="{E991126B-22D3-4F07-81DE-986259DF7492}" type="datetimeFigureOut">
               <a:rPr lang="de-DE" smtClean="0"/>
-              <a:t>14.12.2019</a:t>
+              <a:t>15.12.2019</a:t>
             </a:fld>
             <a:endParaRPr lang="de-DE"/>
           </a:p>
@@ -671,7 +671,7 @@
           <a:p>
             <a:fld id="{E991126B-22D3-4F07-81DE-986259DF7492}" type="datetimeFigureOut">
               <a:rPr lang="de-DE" smtClean="0"/>
-              <a:t>14.12.2019</a:t>
+              <a:t>15.12.2019</a:t>
             </a:fld>
             <a:endParaRPr lang="de-DE"/>
           </a:p>
@@ -869,7 +869,7 @@
           <a:p>
             <a:fld id="{E991126B-22D3-4F07-81DE-986259DF7492}" type="datetimeFigureOut">
               <a:rPr lang="de-DE" smtClean="0"/>
-              <a:t>14.12.2019</a:t>
+              <a:t>15.12.2019</a:t>
             </a:fld>
             <a:endParaRPr lang="de-DE"/>
           </a:p>
@@ -1144,7 +1144,7 @@
           <a:p>
             <a:fld id="{E991126B-22D3-4F07-81DE-986259DF7492}" type="datetimeFigureOut">
               <a:rPr lang="de-DE" smtClean="0"/>
-              <a:t>14.12.2019</a:t>
+              <a:t>15.12.2019</a:t>
             </a:fld>
             <a:endParaRPr lang="de-DE"/>
           </a:p>
@@ -1409,7 +1409,7 @@
           <a:p>
             <a:fld id="{E991126B-22D3-4F07-81DE-986259DF7492}" type="datetimeFigureOut">
               <a:rPr lang="de-DE" smtClean="0"/>
-              <a:t>14.12.2019</a:t>
+              <a:t>15.12.2019</a:t>
             </a:fld>
             <a:endParaRPr lang="de-DE"/>
           </a:p>
@@ -1821,7 +1821,7 @@
           <a:p>
             <a:fld id="{E991126B-22D3-4F07-81DE-986259DF7492}" type="datetimeFigureOut">
               <a:rPr lang="de-DE" smtClean="0"/>
-              <a:t>14.12.2019</a:t>
+              <a:t>15.12.2019</a:t>
             </a:fld>
             <a:endParaRPr lang="de-DE"/>
           </a:p>
@@ -1962,7 +1962,7 @@
           <a:p>
             <a:fld id="{E991126B-22D3-4F07-81DE-986259DF7492}" type="datetimeFigureOut">
               <a:rPr lang="de-DE" smtClean="0"/>
-              <a:t>14.12.2019</a:t>
+              <a:t>15.12.2019</a:t>
             </a:fld>
             <a:endParaRPr lang="de-DE"/>
           </a:p>
@@ -2075,7 +2075,7 @@
           <a:p>
             <a:fld id="{E991126B-22D3-4F07-81DE-986259DF7492}" type="datetimeFigureOut">
               <a:rPr lang="de-DE" smtClean="0"/>
-              <a:t>14.12.2019</a:t>
+              <a:t>15.12.2019</a:t>
             </a:fld>
             <a:endParaRPr lang="de-DE"/>
           </a:p>
@@ -2386,7 +2386,7 @@
           <a:p>
             <a:fld id="{E991126B-22D3-4F07-81DE-986259DF7492}" type="datetimeFigureOut">
               <a:rPr lang="de-DE" smtClean="0"/>
-              <a:t>14.12.2019</a:t>
+              <a:t>15.12.2019</a:t>
             </a:fld>
             <a:endParaRPr lang="de-DE"/>
           </a:p>
@@ -2674,7 +2674,7 @@
           <a:p>
             <a:fld id="{E991126B-22D3-4F07-81DE-986259DF7492}" type="datetimeFigureOut">
               <a:rPr lang="de-DE" smtClean="0"/>
-              <a:t>14.12.2019</a:t>
+              <a:t>15.12.2019</a:t>
             </a:fld>
             <a:endParaRPr lang="de-DE"/>
           </a:p>
@@ -2915,7 +2915,7 @@
           <a:p>
             <a:fld id="{E991126B-22D3-4F07-81DE-986259DF7492}" type="datetimeFigureOut">
               <a:rPr lang="de-DE" smtClean="0"/>
-              <a:t>14.12.2019</a:t>
+              <a:t>15.12.2019</a:t>
             </a:fld>
             <a:endParaRPr lang="de-DE"/>
           </a:p>
@@ -4496,52 +4496,6 @@
       </p:grpSpPr>
       <p:sp>
         <p:nvSpPr>
-          <p:cNvPr id="4" name="Rechteck 3">
-            <a:extLst>
-              <a:ext uri="{FF2B5EF4-FFF2-40B4-BE49-F238E27FC236}">
-                <a16:creationId xmlns:a16="http://schemas.microsoft.com/office/drawing/2014/main" id="{0FBFD155-A50F-4CB0-BAF5-8F610ED912B9}"/>
-              </a:ext>
-            </a:extLst>
-          </p:cNvPr>
-          <p:cNvSpPr/>
-          <p:nvPr/>
-        </p:nvSpPr>
-        <p:spPr>
-          <a:xfrm>
-            <a:off x="1119673" y="1362269"/>
-            <a:ext cx="9116009" cy="4208107"/>
-          </a:xfrm>
-          <a:prstGeom prst="rect">
-            <a:avLst/>
-          </a:prstGeom>
-        </p:spPr>
-        <p:style>
-          <a:lnRef idx="2">
-            <a:schemeClr val="accent1">
-              <a:shade val="50000"/>
-            </a:schemeClr>
-          </a:lnRef>
-          <a:fillRef idx="1">
-            <a:schemeClr val="accent1"/>
-          </a:fillRef>
-          <a:effectRef idx="0">
-            <a:schemeClr val="accent1"/>
-          </a:effectRef>
-          <a:fontRef idx="minor">
-            <a:schemeClr val="lt1"/>
-          </a:fontRef>
-        </p:style>
-        <p:txBody>
-          <a:bodyPr rtlCol="0" anchor="ctr"/>
-          <a:lstStyle/>
-          <a:p>
-            <a:pPr algn="ctr"/>
-            <a:endParaRPr lang="de-DE"/>
-          </a:p>
-        </p:txBody>
-      </p:sp>
-      <p:sp>
-        <p:nvSpPr>
           <p:cNvPr id="2" name="Titel 1">
             <a:extLst>
               <a:ext uri="{FF2B5EF4-FFF2-40B4-BE49-F238E27FC236}">
@@ -4567,15 +4521,15 @@
       </p:sp>
       <p:pic>
         <p:nvPicPr>
-          <p:cNvPr id="1026" name="Picture 2" descr="Bildergebnis für tesla">
-            <a:extLst>
-              <a:ext uri="{FF2B5EF4-FFF2-40B4-BE49-F238E27FC236}">
-                <a16:creationId xmlns:a16="http://schemas.microsoft.com/office/drawing/2014/main" id="{1703951E-9C6A-43E7-848E-E7F9F9EEE319}"/>
+          <p:cNvPr id="5" name="Grafik 4" descr="Ein Bild, das Auto, Straße, draußen, weiß enthält.&#10;&#10;Automatisch generierte Beschreibung">
+            <a:extLst>
+              <a:ext uri="{FF2B5EF4-FFF2-40B4-BE49-F238E27FC236}">
+                <a16:creationId xmlns:a16="http://schemas.microsoft.com/office/drawing/2014/main" id="{4F1D7A33-F1A0-4B54-BB7A-373A5FD68A6A}"/>
               </a:ext>
             </a:extLst>
           </p:cNvPr>
           <p:cNvPicPr>
-            <a:picLocks noChangeAspect="1" noChangeArrowheads="1"/>
+            <a:picLocks noChangeAspect="1"/>
           </p:cNvPicPr>
           <p:nvPr/>
         </p:nvPicPr>
@@ -4587,76 +4541,18 @@
               </a:ext>
             </a:extLst>
           </a:blip>
-          <a:srcRect/>
           <a:stretch>
             <a:fillRect/>
           </a:stretch>
         </p:blipFill>
-        <p:spPr bwMode="auto">
+        <p:spPr>
           <a:xfrm>
-            <a:off x="3238500" y="1858930"/>
-            <a:ext cx="5715000" cy="2990850"/>
+            <a:off x="-285135" y="343002"/>
+            <a:ext cx="12192000" cy="6391669"/>
           </a:xfrm>
           <a:prstGeom prst="rect">
             <a:avLst/>
           </a:prstGeom>
-          <a:noFill/>
-          <a:extLst>
-            <a:ext uri="{909E8E84-426E-40DD-AFC4-6F175D3DCCD1}">
-              <a14:hiddenFill xmlns:a14="http://schemas.microsoft.com/office/drawing/2010/main">
-                <a:solidFill>
-                  <a:srgbClr val="FFFFFF"/>
-                </a:solidFill>
-              </a14:hiddenFill>
-            </a:ext>
-          </a:extLst>
-        </p:spPr>
-      </p:pic>
-      <p:pic>
-        <p:nvPicPr>
-          <p:cNvPr id="1028" name="Picture 4" descr="Bildergebnis für tesla">
-            <a:extLst>
-              <a:ext uri="{FF2B5EF4-FFF2-40B4-BE49-F238E27FC236}">
-                <a16:creationId xmlns:a16="http://schemas.microsoft.com/office/drawing/2014/main" id="{49349B02-1854-452F-B98C-D3BB1BC49C05}"/>
-              </a:ext>
-            </a:extLst>
-          </p:cNvPr>
-          <p:cNvPicPr>
-            <a:picLocks noChangeAspect="1" noChangeArrowheads="1"/>
-          </p:cNvPicPr>
-          <p:nvPr/>
-        </p:nvPicPr>
-        <p:blipFill>
-          <a:blip r:embed="rId3">
-            <a:extLst>
-              <a:ext uri="{28A0092B-C50C-407E-A947-70E740481C1C}">
-                <a14:useLocalDpi xmlns:a14="http://schemas.microsoft.com/office/drawing/2010/main" val="0"/>
-              </a:ext>
-            </a:extLst>
-          </a:blip>
-          <a:srcRect/>
-          <a:stretch>
-            <a:fillRect/>
-          </a:stretch>
-        </p:blipFill>
-        <p:spPr bwMode="auto">
-          <a:xfrm>
-            <a:off x="1966913" y="1100138"/>
-            <a:ext cx="8258175" cy="4657725"/>
-          </a:xfrm>
-          <a:prstGeom prst="rect">
-            <a:avLst/>
-          </a:prstGeom>
-          <a:noFill/>
-          <a:extLst>
-            <a:ext uri="{909E8E84-426E-40DD-AFC4-6F175D3DCCD1}">
-              <a14:hiddenFill xmlns:a14="http://schemas.microsoft.com/office/drawing/2010/main">
-                <a:solidFill>
-                  <a:srgbClr val="FFFFFF"/>
-                </a:solidFill>
-              </a14:hiddenFill>
-            </a:ext>
-          </a:extLst>
         </p:spPr>
       </p:pic>
     </p:spTree>
